--- a/Real EState Price.pptx
+++ b/Real EState Price.pptx
@@ -3309,7 +3309,7 @@
           <a:p>
             <a:fld id="{740BF2DF-7CE9-4BD0-AC82-F2C6F9335AFD}" type="datetimeFigureOut">
               <a:rPr lang="en-IN" smtClean="0"/>
-              <a:t>09-08-2024</a:t>
+              <a:t>13-08-2024</a:t>
             </a:fld>
             <a:endParaRPr lang="en-IN"/>
           </a:p>
@@ -3792,7 +3792,7 @@
           <a:p>
             <a:fld id="{DBE06F6E-F51F-45CD-87AF-6C9E122B5EA8}" type="datetimeFigureOut">
               <a:rPr lang="en-IN" smtClean="0"/>
-              <a:t>09-08-2024</a:t>
+              <a:t>13-08-2024</a:t>
             </a:fld>
             <a:endParaRPr lang="en-IN"/>
           </a:p>
@@ -3962,7 +3962,7 @@
           <a:p>
             <a:fld id="{DBE06F6E-F51F-45CD-87AF-6C9E122B5EA8}" type="datetimeFigureOut">
               <a:rPr lang="en-IN" smtClean="0"/>
-              <a:t>09-08-2024</a:t>
+              <a:t>13-08-2024</a:t>
             </a:fld>
             <a:endParaRPr lang="en-IN"/>
           </a:p>
@@ -4142,7 +4142,7 @@
           <a:p>
             <a:fld id="{DBE06F6E-F51F-45CD-87AF-6C9E122B5EA8}" type="datetimeFigureOut">
               <a:rPr lang="en-IN" smtClean="0"/>
-              <a:t>09-08-2024</a:t>
+              <a:t>13-08-2024</a:t>
             </a:fld>
             <a:endParaRPr lang="en-IN"/>
           </a:p>
@@ -4312,7 +4312,7 @@
           <a:p>
             <a:fld id="{DBE06F6E-F51F-45CD-87AF-6C9E122B5EA8}" type="datetimeFigureOut">
               <a:rPr lang="en-IN" smtClean="0"/>
-              <a:t>09-08-2024</a:t>
+              <a:t>13-08-2024</a:t>
             </a:fld>
             <a:endParaRPr lang="en-IN"/>
           </a:p>
@@ -4558,7 +4558,7 @@
           <a:p>
             <a:fld id="{DBE06F6E-F51F-45CD-87AF-6C9E122B5EA8}" type="datetimeFigureOut">
               <a:rPr lang="en-IN" smtClean="0"/>
-              <a:t>09-08-2024</a:t>
+              <a:t>13-08-2024</a:t>
             </a:fld>
             <a:endParaRPr lang="en-IN"/>
           </a:p>
@@ -4790,7 +4790,7 @@
           <a:p>
             <a:fld id="{DBE06F6E-F51F-45CD-87AF-6C9E122B5EA8}" type="datetimeFigureOut">
               <a:rPr lang="en-IN" smtClean="0"/>
-              <a:t>09-08-2024</a:t>
+              <a:t>13-08-2024</a:t>
             </a:fld>
             <a:endParaRPr lang="en-IN"/>
           </a:p>
@@ -5157,7 +5157,7 @@
           <a:p>
             <a:fld id="{DBE06F6E-F51F-45CD-87AF-6C9E122B5EA8}" type="datetimeFigureOut">
               <a:rPr lang="en-IN" smtClean="0"/>
-              <a:t>09-08-2024</a:t>
+              <a:t>13-08-2024</a:t>
             </a:fld>
             <a:endParaRPr lang="en-IN"/>
           </a:p>
@@ -5275,7 +5275,7 @@
           <a:p>
             <a:fld id="{DBE06F6E-F51F-45CD-87AF-6C9E122B5EA8}" type="datetimeFigureOut">
               <a:rPr lang="en-IN" smtClean="0"/>
-              <a:t>09-08-2024</a:t>
+              <a:t>13-08-2024</a:t>
             </a:fld>
             <a:endParaRPr lang="en-IN"/>
           </a:p>
@@ -5370,7 +5370,7 @@
           <a:p>
             <a:fld id="{DBE06F6E-F51F-45CD-87AF-6C9E122B5EA8}" type="datetimeFigureOut">
               <a:rPr lang="en-IN" smtClean="0"/>
-              <a:t>09-08-2024</a:t>
+              <a:t>13-08-2024</a:t>
             </a:fld>
             <a:endParaRPr lang="en-IN"/>
           </a:p>
@@ -5647,7 +5647,7 @@
           <a:p>
             <a:fld id="{DBE06F6E-F51F-45CD-87AF-6C9E122B5EA8}" type="datetimeFigureOut">
               <a:rPr lang="en-IN" smtClean="0"/>
-              <a:t>09-08-2024</a:t>
+              <a:t>13-08-2024</a:t>
             </a:fld>
             <a:endParaRPr lang="en-IN"/>
           </a:p>
@@ -5900,7 +5900,7 @@
           <a:p>
             <a:fld id="{DBE06F6E-F51F-45CD-87AF-6C9E122B5EA8}" type="datetimeFigureOut">
               <a:rPr lang="en-IN" smtClean="0"/>
-              <a:t>09-08-2024</a:t>
+              <a:t>13-08-2024</a:t>
             </a:fld>
             <a:endParaRPr lang="en-IN"/>
           </a:p>
@@ -6113,7 +6113,7 @@
           <a:p>
             <a:fld id="{DBE06F6E-F51F-45CD-87AF-6C9E122B5EA8}" type="datetimeFigureOut">
               <a:rPr lang="en-IN" smtClean="0"/>
-              <a:t>09-08-2024</a:t>
+              <a:t>13-08-2024</a:t>
             </a:fld>
             <a:endParaRPr lang="en-IN"/>
           </a:p>
@@ -7178,8 +7178,8 @@
         </p:nvSpPr>
         <p:spPr>
           <a:xfrm>
-            <a:off x="2918692" y="97271"/>
-            <a:ext cx="5246254" cy="364548"/>
+            <a:off x="2918692" y="138545"/>
+            <a:ext cx="5246254" cy="258617"/>
           </a:xfrm>
           <a:solidFill>
             <a:schemeClr val="accent4">
@@ -7217,8 +7217,8 @@
         </p:nvSpPr>
         <p:spPr>
           <a:xfrm>
-            <a:off x="166254" y="812799"/>
-            <a:ext cx="11185237" cy="5632311"/>
+            <a:off x="0" y="572653"/>
+            <a:ext cx="12071927" cy="6601807"/>
           </a:xfrm>
           <a:prstGeom prst="rect">
             <a:avLst/>
@@ -7236,19 +7236,201 @@
               <a:buChar char="v"/>
             </a:pPr>
             <a:r>
-              <a:rPr lang="en-US" sz="1500" dirty="0" smtClean="0">
+              <a:rPr lang="en-US" sz="1350" dirty="0" smtClean="0">
                 <a:latin typeface="Arial" panose="020B0604020202020204" pitchFamily="34" charset="0"/>
                 <a:cs typeface="Arial" panose="020B0604020202020204" pitchFamily="34" charset="0"/>
               </a:rPr>
               <a:t> </a:t>
             </a:r>
+            <a:r>
+              <a:rPr lang="en-US" sz="1350" b="1" dirty="0" err="1" smtClean="0">
+                <a:latin typeface="Arial" panose="020B0604020202020204" pitchFamily="34" charset="0"/>
+                <a:cs typeface="Arial" panose="020B0604020202020204" pitchFamily="34" charset="0"/>
+              </a:rPr>
+              <a:t>LotFrontage</a:t>
+            </a:r>
+            <a:r>
+              <a:rPr lang="en-US" sz="1350" b="1" dirty="0" smtClean="0">
+                <a:latin typeface="Arial" panose="020B0604020202020204" pitchFamily="34" charset="0"/>
+                <a:cs typeface="Arial" panose="020B0604020202020204" pitchFamily="34" charset="0"/>
+              </a:rPr>
+              <a:t> </a:t>
+            </a:r>
+            <a:r>
+              <a:rPr lang="en-US" sz="1350" b="1" dirty="0">
+                <a:latin typeface="Arial" panose="020B0604020202020204" pitchFamily="34" charset="0"/>
+                <a:cs typeface="Arial" panose="020B0604020202020204" pitchFamily="34" charset="0"/>
+              </a:rPr>
+              <a:t>(</a:t>
+            </a:r>
+            <a:r>
+              <a:rPr lang="en-IN" sz="1350" b="1" dirty="0">
+                <a:latin typeface="Arial" panose="020B0604020202020204" pitchFamily="34" charset="0"/>
+                <a:cs typeface="Arial" panose="020B0604020202020204" pitchFamily="34" charset="0"/>
+              </a:rPr>
+              <a:t>Linear feet of street connected to the property</a:t>
+            </a:r>
+            <a:r>
+              <a:rPr lang="en-US" sz="1350" b="1" dirty="0">
+                <a:latin typeface="Arial" panose="020B0604020202020204" pitchFamily="34" charset="0"/>
+                <a:cs typeface="Arial" panose="020B0604020202020204" pitchFamily="34" charset="0"/>
+              </a:rPr>
+              <a:t>)</a:t>
+            </a:r>
+            <a:r>
+              <a:rPr lang="en-US" sz="1350" dirty="0">
+                <a:latin typeface="Arial" panose="020B0604020202020204" pitchFamily="34" charset="0"/>
+                <a:cs typeface="Arial" panose="020B0604020202020204" pitchFamily="34" charset="0"/>
+              </a:rPr>
+              <a:t>, </a:t>
+            </a:r>
+            <a:r>
+              <a:rPr lang="en-US" sz="1350" b="1" dirty="0" err="1">
+                <a:latin typeface="Arial" panose="020B0604020202020204" pitchFamily="34" charset="0"/>
+                <a:cs typeface="Arial" panose="020B0604020202020204" pitchFamily="34" charset="0"/>
+              </a:rPr>
+              <a:t>Ovear</a:t>
+            </a:r>
+            <a:r>
+              <a:rPr lang="en-US" sz="1350" b="1" dirty="0">
+                <a:latin typeface="Arial" panose="020B0604020202020204" pitchFamily="34" charset="0"/>
+                <a:cs typeface="Arial" panose="020B0604020202020204" pitchFamily="34" charset="0"/>
+              </a:rPr>
+              <a:t> all </a:t>
+            </a:r>
+            <a:r>
+              <a:rPr lang="en-US" sz="1350" b="1" dirty="0" err="1">
+                <a:latin typeface="Arial" panose="020B0604020202020204" pitchFamily="34" charset="0"/>
+                <a:cs typeface="Arial" panose="020B0604020202020204" pitchFamily="34" charset="0"/>
+              </a:rPr>
+              <a:t>Qual,Year</a:t>
+            </a:r>
+            <a:r>
+              <a:rPr lang="en-US" sz="1350" b="1" dirty="0">
+                <a:latin typeface="Arial" panose="020B0604020202020204" pitchFamily="34" charset="0"/>
+                <a:cs typeface="Arial" panose="020B0604020202020204" pitchFamily="34" charset="0"/>
+              </a:rPr>
+              <a:t> </a:t>
+            </a:r>
+            <a:r>
+              <a:rPr lang="en-US" sz="1350" b="1" dirty="0" err="1">
+                <a:latin typeface="Arial" panose="020B0604020202020204" pitchFamily="34" charset="0"/>
+                <a:cs typeface="Arial" panose="020B0604020202020204" pitchFamily="34" charset="0"/>
+              </a:rPr>
+              <a:t>Bulit</a:t>
+            </a:r>
+            <a:r>
+              <a:rPr lang="en-US" sz="1350" b="1" dirty="0">
+                <a:latin typeface="Arial" panose="020B0604020202020204" pitchFamily="34" charset="0"/>
+                <a:cs typeface="Arial" panose="020B0604020202020204" pitchFamily="34" charset="0"/>
+              </a:rPr>
+              <a:t>, Masonry veneer area,Type2 Finished </a:t>
+            </a:r>
+            <a:r>
+              <a:rPr lang="en-US" sz="1350" b="1" dirty="0" err="1">
+                <a:latin typeface="Arial" panose="020B0604020202020204" pitchFamily="34" charset="0"/>
+                <a:cs typeface="Arial" panose="020B0604020202020204" pitchFamily="34" charset="0"/>
+              </a:rPr>
+              <a:t>sqft,Second</a:t>
+            </a:r>
+            <a:r>
+              <a:rPr lang="en-US" sz="1350" b="1" dirty="0">
+                <a:latin typeface="Arial" panose="020B0604020202020204" pitchFamily="34" charset="0"/>
+                <a:cs typeface="Arial" panose="020B0604020202020204" pitchFamily="34" charset="0"/>
+              </a:rPr>
+              <a:t> Floor </a:t>
+            </a:r>
+            <a:r>
+              <a:rPr lang="en-US" sz="1350" b="1" dirty="0" err="1">
+                <a:latin typeface="Arial" panose="020B0604020202020204" pitchFamily="34" charset="0"/>
+                <a:cs typeface="Arial" panose="020B0604020202020204" pitchFamily="34" charset="0"/>
+              </a:rPr>
+              <a:t>Sqft</a:t>
+            </a:r>
+            <a:r>
+              <a:rPr lang="en-US" sz="1350" b="1" dirty="0">
+                <a:latin typeface="Arial" panose="020B0604020202020204" pitchFamily="34" charset="0"/>
+                <a:cs typeface="Arial" panose="020B0604020202020204" pitchFamily="34" charset="0"/>
+              </a:rPr>
+              <a:t>, Above Ground Living area </a:t>
+            </a:r>
+            <a:r>
+              <a:rPr lang="en-US" sz="1350" dirty="0">
+                <a:latin typeface="Arial" panose="020B0604020202020204" pitchFamily="34" charset="0"/>
+                <a:cs typeface="Arial" panose="020B0604020202020204" pitchFamily="34" charset="0"/>
+              </a:rPr>
+              <a:t>are having positive correlation with </a:t>
+            </a:r>
+            <a:r>
+              <a:rPr lang="en-US" sz="1350" b="1" dirty="0">
+                <a:solidFill>
+                  <a:srgbClr val="0070C0"/>
+                </a:solidFill>
+                <a:latin typeface="Arial" panose="020B0604020202020204" pitchFamily="34" charset="0"/>
+                <a:cs typeface="Arial" panose="020B0604020202020204" pitchFamily="34" charset="0"/>
+              </a:rPr>
+              <a:t>Sale </a:t>
+            </a:r>
+            <a:r>
+              <a:rPr lang="en-US" sz="1350" b="1" dirty="0" smtClean="0">
+                <a:solidFill>
+                  <a:srgbClr val="0070C0"/>
+                </a:solidFill>
+                <a:latin typeface="Arial" panose="020B0604020202020204" pitchFamily="34" charset="0"/>
+                <a:cs typeface="Arial" panose="020B0604020202020204" pitchFamily="34" charset="0"/>
+              </a:rPr>
+              <a:t>Price</a:t>
+            </a:r>
+          </a:p>
+          <a:p>
+            <a:endParaRPr lang="en-IN" sz="1350" b="1" dirty="0">
+              <a:solidFill>
+                <a:srgbClr val="0070C0"/>
+              </a:solidFill>
+              <a:latin typeface="Arial" panose="020B0604020202020204" pitchFamily="34" charset="0"/>
+              <a:cs typeface="Arial" panose="020B0604020202020204" pitchFamily="34" charset="0"/>
+            </a:endParaRPr>
           </a:p>
           <a:p>
             <a:pPr marL="285750" indent="-285750">
               <a:buFont typeface="Wingdings" panose="05000000000000000000" pitchFamily="2" charset="2"/>
               <a:buChar char="v"/>
             </a:pPr>
-            <a:endParaRPr lang="en-US" sz="1500" dirty="0">
+            <a:r>
+              <a:rPr lang="en-US" sz="1350" dirty="0" smtClean="0">
+                <a:latin typeface="Arial" panose="020B0604020202020204" pitchFamily="34" charset="0"/>
+                <a:cs typeface="Arial" panose="020B0604020202020204" pitchFamily="34" charset="0"/>
+              </a:rPr>
+              <a:t> </a:t>
+            </a:r>
+            <a:r>
+              <a:rPr lang="en-US" sz="1350" b="1" dirty="0">
+                <a:latin typeface="Arial" panose="020B0604020202020204" pitchFamily="34" charset="0"/>
+                <a:cs typeface="Arial" panose="020B0604020202020204" pitchFamily="34" charset="0"/>
+              </a:rPr>
+              <a:t>BsmtFullBath,CentralAir,FirePlaces,FullBath,GarageCars,HalfBath,PaveDrive </a:t>
+            </a:r>
+            <a:r>
+              <a:rPr lang="en-US" sz="1350" dirty="0">
+                <a:latin typeface="Arial" panose="020B0604020202020204" pitchFamily="34" charset="0"/>
+                <a:cs typeface="Arial" panose="020B0604020202020204" pitchFamily="34" charset="0"/>
+              </a:rPr>
+              <a:t>are few key features with high positive correlation with </a:t>
+            </a:r>
+            <a:r>
+              <a:rPr lang="en-US" sz="1350" b="1" dirty="0" err="1">
+                <a:solidFill>
+                  <a:schemeClr val="accent5"/>
+                </a:solidFill>
+                <a:latin typeface="Arial" panose="020B0604020202020204" pitchFamily="34" charset="0"/>
+                <a:cs typeface="Arial" panose="020B0604020202020204" pitchFamily="34" charset="0"/>
+              </a:rPr>
+              <a:t>SalePrice</a:t>
+            </a:r>
+            <a:endParaRPr lang="en-US" sz="1350" b="1" dirty="0">
+              <a:solidFill>
+                <a:schemeClr val="accent5"/>
+              </a:solidFill>
               <a:latin typeface="Arial" panose="020B0604020202020204" pitchFamily="34" charset="0"/>
               <a:cs typeface="Arial" panose="020B0604020202020204" pitchFamily="34" charset="0"/>
             </a:endParaRPr>
@@ -7258,20 +7440,17 @@
               <a:buFont typeface="Wingdings" panose="05000000000000000000" pitchFamily="2" charset="2"/>
               <a:buChar char="v"/>
             </a:pPr>
-            <a:r>
-              <a:rPr lang="en-US" sz="1500" dirty="0" smtClean="0">
-                <a:latin typeface="Arial" panose="020B0604020202020204" pitchFamily="34" charset="0"/>
-                <a:cs typeface="Arial" panose="020B0604020202020204" pitchFamily="34" charset="0"/>
-              </a:rPr>
-              <a:t> </a:t>
-            </a:r>
+            <a:endParaRPr lang="en-US" sz="1350" dirty="0" smtClean="0">
+              <a:latin typeface="Arial" panose="020B0604020202020204" pitchFamily="34" charset="0"/>
+              <a:cs typeface="Arial" panose="020B0604020202020204" pitchFamily="34" charset="0"/>
+            </a:endParaRPr>
           </a:p>
           <a:p>
             <a:pPr marL="285750" indent="-285750">
               <a:buFont typeface="Wingdings" panose="05000000000000000000" pitchFamily="2" charset="2"/>
               <a:buChar char="v"/>
             </a:pPr>
-            <a:endParaRPr lang="en-US" sz="1500" dirty="0">
+            <a:endParaRPr lang="en-US" sz="1350" dirty="0">
               <a:latin typeface="Arial" panose="020B0604020202020204" pitchFamily="34" charset="0"/>
               <a:cs typeface="Arial" panose="020B0604020202020204" pitchFamily="34" charset="0"/>
             </a:endParaRPr>
@@ -7281,24 +7460,27 @@
               <a:buFont typeface="Wingdings" panose="05000000000000000000" pitchFamily="2" charset="2"/>
               <a:buChar char="v"/>
             </a:pPr>
-            <a:endParaRPr lang="en-US" sz="1500" dirty="0" smtClean="0">
-              <a:latin typeface="Arial" panose="020B0604020202020204" pitchFamily="34" charset="0"/>
-              <a:cs typeface="Arial" panose="020B0604020202020204" pitchFamily="34" charset="0"/>
-            </a:endParaRPr>
+            <a:r>
+              <a:rPr lang="en-US" sz="1350" dirty="0" smtClean="0">
+                <a:latin typeface="Arial" panose="020B0604020202020204" pitchFamily="34" charset="0"/>
+                <a:cs typeface="Arial" panose="020B0604020202020204" pitchFamily="34" charset="0"/>
+              </a:rPr>
+              <a:t> Customer prefer houses </a:t>
+            </a:r>
+            <a:r>
+              <a:rPr lang="en-US" sz="1350" b="1" dirty="0" smtClean="0">
+                <a:latin typeface="Arial" panose="020B0604020202020204" pitchFamily="34" charset="0"/>
+                <a:cs typeface="Arial" panose="020B0604020202020204" pitchFamily="34" charset="0"/>
+              </a:rPr>
+              <a:t>with maximum 2 no of Fireplaces, air conditioning </a:t>
+            </a:r>
           </a:p>
           <a:p>
             <a:pPr marL="285750" indent="-285750">
               <a:buFont typeface="Wingdings" panose="05000000000000000000" pitchFamily="2" charset="2"/>
               <a:buChar char="v"/>
             </a:pPr>
-            <a:r>
-              <a:rPr lang="en-US" sz="1500" dirty="0">
-                <a:latin typeface="Arial" panose="020B0604020202020204" pitchFamily="34" charset="0"/>
-                <a:cs typeface="Arial" panose="020B0604020202020204" pitchFamily="34" charset="0"/>
-              </a:rPr>
-              <a:t> </a:t>
-            </a:r>
-            <a:endParaRPr lang="en-US" sz="1500" dirty="0" smtClean="0">
+            <a:endParaRPr lang="en-US" sz="1350" b="1" dirty="0">
               <a:latin typeface="Arial" panose="020B0604020202020204" pitchFamily="34" charset="0"/>
               <a:cs typeface="Arial" panose="020B0604020202020204" pitchFamily="34" charset="0"/>
             </a:endParaRPr>
@@ -7308,7 +7490,7 @@
               <a:buFont typeface="Wingdings" panose="05000000000000000000" pitchFamily="2" charset="2"/>
               <a:buChar char="v"/>
             </a:pPr>
-            <a:endParaRPr lang="en-US" sz="1500" dirty="0">
+            <a:endParaRPr lang="en-US" sz="1350" b="1" dirty="0" smtClean="0">
               <a:latin typeface="Arial" panose="020B0604020202020204" pitchFamily="34" charset="0"/>
               <a:cs typeface="Arial" panose="020B0604020202020204" pitchFamily="34" charset="0"/>
             </a:endParaRPr>
@@ -7318,7 +7500,56 @@
               <a:buFont typeface="Wingdings" panose="05000000000000000000" pitchFamily="2" charset="2"/>
               <a:buChar char="v"/>
             </a:pPr>
-            <a:endParaRPr lang="en-US" sz="1500" dirty="0" smtClean="0">
+            <a:r>
+              <a:rPr lang="en-US" sz="1350" dirty="0">
+                <a:latin typeface="Arial" panose="020B0604020202020204" pitchFamily="34" charset="0"/>
+                <a:cs typeface="Arial" panose="020B0604020202020204" pitchFamily="34" charset="0"/>
+              </a:rPr>
+              <a:t> </a:t>
+            </a:r>
+            <a:r>
+              <a:rPr lang="en-US" sz="1350" dirty="0" smtClean="0">
+                <a:latin typeface="Arial" panose="020B0604020202020204" pitchFamily="34" charset="0"/>
+                <a:cs typeface="Arial" panose="020B0604020202020204" pitchFamily="34" charset="0"/>
+              </a:rPr>
+              <a:t>There exists a strong positive trend between </a:t>
+            </a:r>
+            <a:r>
+              <a:rPr lang="en-US" sz="1350" b="1" dirty="0" smtClean="0">
+                <a:latin typeface="Arial" panose="020B0604020202020204" pitchFamily="34" charset="0"/>
+                <a:cs typeface="Arial" panose="020B0604020202020204" pitchFamily="34" charset="0"/>
+              </a:rPr>
+              <a:t>second Floor </a:t>
+            </a:r>
+            <a:r>
+              <a:rPr lang="en-US" sz="1350" b="1" dirty="0" err="1" smtClean="0">
+                <a:latin typeface="Arial" panose="020B0604020202020204" pitchFamily="34" charset="0"/>
+                <a:cs typeface="Arial" panose="020B0604020202020204" pitchFamily="34" charset="0"/>
+              </a:rPr>
+              <a:t>sqft</a:t>
+            </a:r>
+            <a:r>
+              <a:rPr lang="en-US" sz="1350" b="1" dirty="0" smtClean="0">
+                <a:latin typeface="Arial" panose="020B0604020202020204" pitchFamily="34" charset="0"/>
+                <a:cs typeface="Arial" panose="020B0604020202020204" pitchFamily="34" charset="0"/>
+              </a:rPr>
+              <a:t> and the </a:t>
+            </a:r>
+            <a:r>
+              <a:rPr lang="en-US" sz="1350" b="1" dirty="0" smtClean="0">
+                <a:latin typeface="Arial" panose="020B0604020202020204" pitchFamily="34" charset="0"/>
+                <a:cs typeface="Arial" panose="020B0604020202020204" pitchFamily="34" charset="0"/>
+              </a:rPr>
+              <a:t>price </a:t>
+            </a:r>
+            <a:r>
+              <a:rPr lang="en-US" sz="1350" dirty="0" smtClean="0">
+                <a:latin typeface="Arial" panose="020B0604020202020204" pitchFamily="34" charset="0"/>
+                <a:cs typeface="Arial" panose="020B0604020202020204" pitchFamily="34" charset="0"/>
+              </a:rPr>
+              <a:t>, so second floor planning need to be implemented accordingly. </a:t>
+            </a:r>
+            <a:endParaRPr lang="en-US" sz="1350" b="1" dirty="0" smtClean="0">
               <a:latin typeface="Arial" panose="020B0604020202020204" pitchFamily="34" charset="0"/>
               <a:cs typeface="Arial" panose="020B0604020202020204" pitchFamily="34" charset="0"/>
             </a:endParaRPr>
@@ -7328,14 +7559,7 @@
               <a:buFont typeface="Wingdings" panose="05000000000000000000" pitchFamily="2" charset="2"/>
               <a:buChar char="v"/>
             </a:pPr>
-            <a:r>
-              <a:rPr lang="en-US" sz="1500" dirty="0">
-                <a:latin typeface="Arial" panose="020B0604020202020204" pitchFamily="34" charset="0"/>
-                <a:cs typeface="Arial" panose="020B0604020202020204" pitchFamily="34" charset="0"/>
-              </a:rPr>
-              <a:t> </a:t>
-            </a:r>
-            <a:endParaRPr lang="en-US" sz="1500" dirty="0" smtClean="0">
+            <a:endParaRPr lang="en-US" sz="1350" dirty="0">
               <a:latin typeface="Arial" panose="020B0604020202020204" pitchFamily="34" charset="0"/>
               <a:cs typeface="Arial" panose="020B0604020202020204" pitchFamily="34" charset="0"/>
             </a:endParaRPr>
@@ -7345,7 +7569,7 @@
               <a:buFont typeface="Wingdings" panose="05000000000000000000" pitchFamily="2" charset="2"/>
               <a:buChar char="v"/>
             </a:pPr>
-            <a:endParaRPr lang="en-US" sz="1500" dirty="0">
+            <a:endParaRPr lang="en-US" sz="1350" dirty="0" smtClean="0">
               <a:latin typeface="Arial" panose="020B0604020202020204" pitchFamily="34" charset="0"/>
               <a:cs typeface="Arial" panose="020B0604020202020204" pitchFamily="34" charset="0"/>
             </a:endParaRPr>
@@ -7355,24 +7579,34 @@
               <a:buFont typeface="Wingdings" panose="05000000000000000000" pitchFamily="2" charset="2"/>
               <a:buChar char="v"/>
             </a:pPr>
-            <a:endParaRPr lang="en-US" sz="1500" dirty="0" smtClean="0">
-              <a:latin typeface="Arial" panose="020B0604020202020204" pitchFamily="34" charset="0"/>
-              <a:cs typeface="Arial" panose="020B0604020202020204" pitchFamily="34" charset="0"/>
-            </a:endParaRPr>
+            <a:r>
+              <a:rPr lang="en-US" sz="1350" dirty="0">
+                <a:latin typeface="Arial" panose="020B0604020202020204" pitchFamily="34" charset="0"/>
+                <a:cs typeface="Arial" panose="020B0604020202020204" pitchFamily="34" charset="0"/>
+              </a:rPr>
+              <a:t> </a:t>
+            </a:r>
+            <a:r>
+              <a:rPr lang="en-US" sz="1350" b="1" dirty="0" smtClean="0">
+                <a:latin typeface="Arial" panose="020B0604020202020204" pitchFamily="34" charset="0"/>
+                <a:cs typeface="Arial" panose="020B0604020202020204" pitchFamily="34" charset="0"/>
+              </a:rPr>
+              <a:t>Good Exposure garden area </a:t>
+            </a:r>
+            <a:r>
+              <a:rPr lang="en-US" sz="1350" dirty="0" smtClean="0">
+                <a:latin typeface="Arial" panose="020B0604020202020204" pitchFamily="34" charset="0"/>
+                <a:cs typeface="Arial" panose="020B0604020202020204" pitchFamily="34" charset="0"/>
+              </a:rPr>
+              <a:t>is a demand from the customers </a:t>
+            </a:r>
           </a:p>
           <a:p>
             <a:pPr marL="285750" indent="-285750">
               <a:buFont typeface="Wingdings" panose="05000000000000000000" pitchFamily="2" charset="2"/>
               <a:buChar char="v"/>
             </a:pPr>
-            <a:r>
-              <a:rPr lang="en-US" sz="1500" dirty="0" smtClean="0">
-                <a:latin typeface="Arial" panose="020B0604020202020204" pitchFamily="34" charset="0"/>
-                <a:cs typeface="Arial" panose="020B0604020202020204" pitchFamily="34" charset="0"/>
-              </a:rPr>
-              <a:t>  </a:t>
-            </a:r>
-            <a:endParaRPr lang="en-US" sz="1500" dirty="0">
+            <a:endParaRPr lang="en-US" sz="1350" dirty="0">
               <a:latin typeface="Arial" panose="020B0604020202020204" pitchFamily="34" charset="0"/>
               <a:cs typeface="Arial" panose="020B0604020202020204" pitchFamily="34" charset="0"/>
             </a:endParaRPr>
@@ -7382,26 +7616,10 @@
               <a:buFont typeface="Wingdings" panose="05000000000000000000" pitchFamily="2" charset="2"/>
               <a:buChar char="v"/>
             </a:pPr>
-            <a:endParaRPr lang="en-US" sz="1500" dirty="0" smtClean="0">
+            <a:endParaRPr lang="en-US" sz="1350" dirty="0" smtClean="0">
               <a:latin typeface="Arial" panose="020B0604020202020204" pitchFamily="34" charset="0"/>
               <a:cs typeface="Arial" panose="020B0604020202020204" pitchFamily="34" charset="0"/>
             </a:endParaRPr>
-          </a:p>
-          <a:p>
-            <a:r>
-              <a:rPr lang="en-US" sz="1500" dirty="0">
-                <a:latin typeface="Arial" panose="020B0604020202020204" pitchFamily="34" charset="0"/>
-                <a:cs typeface="Arial" panose="020B0604020202020204" pitchFamily="34" charset="0"/>
-              </a:rPr>
-              <a:t> </a:t>
-            </a:r>
-            <a:r>
-              <a:rPr lang="en-US" sz="1500" dirty="0" smtClean="0">
-                <a:latin typeface="Arial" panose="020B0604020202020204" pitchFamily="34" charset="0"/>
-                <a:cs typeface="Arial" panose="020B0604020202020204" pitchFamily="34" charset="0"/>
-              </a:rPr>
-              <a:t> </a:t>
-            </a:r>
           </a:p>
           <a:p>
             <a:pPr marL="285750" indent="-285750">
@@ -7409,29 +7627,93 @@
               <a:buChar char="v"/>
             </a:pPr>
             <a:r>
-              <a:rPr lang="en-US" sz="1500" dirty="0" smtClean="0">
-                <a:latin typeface="Arial" panose="020B0604020202020204" pitchFamily="34" charset="0"/>
-                <a:cs typeface="Arial" panose="020B0604020202020204" pitchFamily="34" charset="0"/>
-              </a:rPr>
-              <a:t>  </a:t>
-            </a:r>
+              <a:rPr lang="en-US" sz="1350" dirty="0" smtClean="0">
+                <a:latin typeface="Arial" panose="020B0604020202020204" pitchFamily="34" charset="0"/>
+                <a:cs typeface="Arial" panose="020B0604020202020204" pitchFamily="34" charset="0"/>
+              </a:rPr>
+              <a:t> </a:t>
+            </a:r>
+            <a:r>
+              <a:rPr lang="en-US" sz="1350" b="1" dirty="0" smtClean="0">
+                <a:latin typeface="Arial" panose="020B0604020202020204" pitchFamily="34" charset="0"/>
+                <a:cs typeface="Arial" panose="020B0604020202020204" pitchFamily="34" charset="0"/>
+              </a:rPr>
+              <a:t>Full Bath spaces are having high degree </a:t>
+            </a:r>
+            <a:r>
+              <a:rPr lang="en-US" sz="1350" dirty="0" smtClean="0">
+                <a:latin typeface="Arial" panose="020B0604020202020204" pitchFamily="34" charset="0"/>
+                <a:cs typeface="Arial" panose="020B0604020202020204" pitchFamily="34" charset="0"/>
+              </a:rPr>
+              <a:t>of preference by the customers and its impacting sales Price, they are preferred over Half Bath spaces</a:t>
+            </a:r>
+          </a:p>
+          <a:p>
+            <a:endParaRPr lang="en-US" sz="1350" dirty="0">
+              <a:latin typeface="Arial" panose="020B0604020202020204" pitchFamily="34" charset="0"/>
+              <a:cs typeface="Arial" panose="020B0604020202020204" pitchFamily="34" charset="0"/>
+            </a:endParaRPr>
           </a:p>
           <a:p>
             <a:pPr marL="285750" indent="-285750">
               <a:buFont typeface="Wingdings" panose="05000000000000000000" pitchFamily="2" charset="2"/>
               <a:buChar char="v"/>
             </a:pPr>
-            <a:endParaRPr lang="en-US" sz="1500" dirty="0">
+            <a:endParaRPr lang="en-US" sz="1350" dirty="0" smtClean="0">
               <a:latin typeface="Arial" panose="020B0604020202020204" pitchFamily="34" charset="0"/>
               <a:cs typeface="Arial" panose="020B0604020202020204" pitchFamily="34" charset="0"/>
             </a:endParaRPr>
+          </a:p>
+          <a:p>
+            <a:r>
+              <a:rPr lang="en-US" sz="1350" dirty="0">
+                <a:latin typeface="Arial" panose="020B0604020202020204" pitchFamily="34" charset="0"/>
+                <a:cs typeface="Arial" panose="020B0604020202020204" pitchFamily="34" charset="0"/>
+              </a:rPr>
+              <a:t> </a:t>
+            </a:r>
+            <a:r>
+              <a:rPr lang="en-US" sz="1350" dirty="0" smtClean="0">
+                <a:latin typeface="Arial" panose="020B0604020202020204" pitchFamily="34" charset="0"/>
+                <a:cs typeface="Arial" panose="020B0604020202020204" pitchFamily="34" charset="0"/>
+              </a:rPr>
+              <a:t> </a:t>
+            </a:r>
           </a:p>
           <a:p>
             <a:pPr marL="285750" indent="-285750">
               <a:buFont typeface="Wingdings" panose="05000000000000000000" pitchFamily="2" charset="2"/>
               <a:buChar char="v"/>
             </a:pPr>
-            <a:endParaRPr lang="en-US" sz="1500" dirty="0" smtClean="0">
+            <a:r>
+              <a:rPr lang="en-US" sz="1350" b="1" dirty="0" smtClean="0">
+                <a:latin typeface="Arial" panose="020B0604020202020204" pitchFamily="34" charset="0"/>
+                <a:cs typeface="Arial" panose="020B0604020202020204" pitchFamily="34" charset="0"/>
+              </a:rPr>
+              <a:t>  </a:t>
+            </a:r>
+            <a:r>
+              <a:rPr lang="en-US" sz="1350" b="1" dirty="0" err="1" smtClean="0">
+                <a:latin typeface="Arial" panose="020B0604020202020204" pitchFamily="34" charset="0"/>
+                <a:cs typeface="Arial" panose="020B0604020202020204" pitchFamily="34" charset="0"/>
+              </a:rPr>
+              <a:t>PavedDrive</a:t>
+            </a:r>
+            <a:r>
+              <a:rPr lang="en-US" sz="1350" b="1" dirty="0" smtClean="0">
+                <a:latin typeface="Arial" panose="020B0604020202020204" pitchFamily="34" charset="0"/>
+                <a:cs typeface="Arial" panose="020B0604020202020204" pitchFamily="34" charset="0"/>
+              </a:rPr>
+              <a:t> way is the  choice </a:t>
+            </a:r>
+            <a:r>
+              <a:rPr lang="en-US" sz="1350" dirty="0" smtClean="0">
+                <a:latin typeface="Arial" panose="020B0604020202020204" pitchFamily="34" charset="0"/>
+                <a:cs typeface="Arial" panose="020B0604020202020204" pitchFamily="34" charset="0"/>
+              </a:rPr>
+              <a:t>that customers are looing for , it should be incorporated on the design and implementation part </a:t>
+            </a:r>
+            <a:endParaRPr lang="en-US" sz="1350" dirty="0" smtClean="0">
               <a:latin typeface="Arial" panose="020B0604020202020204" pitchFamily="34" charset="0"/>
               <a:cs typeface="Arial" panose="020B0604020202020204" pitchFamily="34" charset="0"/>
             </a:endParaRPr>
@@ -7441,14 +7723,7 @@
               <a:buFont typeface="Wingdings" panose="05000000000000000000" pitchFamily="2" charset="2"/>
               <a:buChar char="v"/>
             </a:pPr>
-            <a:r>
-              <a:rPr lang="en-US" sz="1500" dirty="0">
-                <a:latin typeface="Arial" panose="020B0604020202020204" pitchFamily="34" charset="0"/>
-                <a:cs typeface="Arial" panose="020B0604020202020204" pitchFamily="34" charset="0"/>
-              </a:rPr>
-              <a:t> </a:t>
-            </a:r>
-            <a:endParaRPr lang="en-US" sz="1500" dirty="0" smtClean="0">
+            <a:endParaRPr lang="en-US" sz="1350" dirty="0">
               <a:latin typeface="Arial" panose="020B0604020202020204" pitchFamily="34" charset="0"/>
               <a:cs typeface="Arial" panose="020B0604020202020204" pitchFamily="34" charset="0"/>
             </a:endParaRPr>
@@ -7458,7 +7733,7 @@
               <a:buFont typeface="Wingdings" panose="05000000000000000000" pitchFamily="2" charset="2"/>
               <a:buChar char="v"/>
             </a:pPr>
-            <a:endParaRPr lang="en-US" sz="1500" dirty="0">
+            <a:endParaRPr lang="en-US" sz="1350" dirty="0" smtClean="0">
               <a:latin typeface="Arial" panose="020B0604020202020204" pitchFamily="34" charset="0"/>
               <a:cs typeface="Arial" panose="020B0604020202020204" pitchFamily="34" charset="0"/>
             </a:endParaRPr>
@@ -7468,7 +7743,42 @@
               <a:buFont typeface="Wingdings" panose="05000000000000000000" pitchFamily="2" charset="2"/>
               <a:buChar char="v"/>
             </a:pPr>
-            <a:endParaRPr lang="en-US" sz="1500" dirty="0" smtClean="0">
+            <a:r>
+              <a:rPr lang="en-US" sz="1350" dirty="0">
+                <a:latin typeface="Arial" panose="020B0604020202020204" pitchFamily="34" charset="0"/>
+                <a:cs typeface="Arial" panose="020B0604020202020204" pitchFamily="34" charset="0"/>
+              </a:rPr>
+              <a:t> </a:t>
+            </a:r>
+            <a:r>
+              <a:rPr lang="en-US" sz="1350" b="1" dirty="0" smtClean="0">
+                <a:latin typeface="Arial" panose="020B0604020202020204" pitchFamily="34" charset="0"/>
+                <a:cs typeface="Arial" panose="020B0604020202020204" pitchFamily="34" charset="0"/>
+              </a:rPr>
+              <a:t>2006-2007 and 2008-2009 </a:t>
+            </a:r>
+            <a:r>
+              <a:rPr lang="en-US" sz="1350" dirty="0" smtClean="0">
+                <a:latin typeface="Arial" panose="020B0604020202020204" pitchFamily="34" charset="0"/>
+                <a:cs typeface="Arial" panose="020B0604020202020204" pitchFamily="34" charset="0"/>
+              </a:rPr>
+              <a:t>years homes have shown </a:t>
+            </a:r>
+            <a:r>
+              <a:rPr lang="en-US" sz="1350" b="1" dirty="0" smtClean="0">
+                <a:latin typeface="Arial" panose="020B0604020202020204" pitchFamily="34" charset="0"/>
+                <a:cs typeface="Arial" panose="020B0604020202020204" pitchFamily="34" charset="0"/>
+              </a:rPr>
+              <a:t>an upward swing </a:t>
+            </a:r>
+            <a:r>
+              <a:rPr lang="en-US" sz="1350" dirty="0" smtClean="0">
+                <a:latin typeface="Arial" panose="020B0604020202020204" pitchFamily="34" charset="0"/>
+                <a:cs typeface="Arial" panose="020B0604020202020204" pitchFamily="34" charset="0"/>
+              </a:rPr>
+              <a:t>on the sale Price , mostly </a:t>
+            </a:r>
+            <a:endParaRPr lang="en-US" sz="1350" dirty="0" smtClean="0">
               <a:latin typeface="Arial" panose="020B0604020202020204" pitchFamily="34" charset="0"/>
               <a:cs typeface="Arial" panose="020B0604020202020204" pitchFamily="34" charset="0"/>
             </a:endParaRPr>
@@ -7478,14 +7788,7 @@
               <a:buFont typeface="Wingdings" panose="05000000000000000000" pitchFamily="2" charset="2"/>
               <a:buChar char="v"/>
             </a:pPr>
-            <a:r>
-              <a:rPr lang="en-US" sz="1500" dirty="0">
-                <a:latin typeface="Arial" panose="020B0604020202020204" pitchFamily="34" charset="0"/>
-                <a:cs typeface="Arial" panose="020B0604020202020204" pitchFamily="34" charset="0"/>
-              </a:rPr>
-              <a:t> </a:t>
-            </a:r>
-            <a:endParaRPr lang="en-US" sz="1500" dirty="0" smtClean="0">
+            <a:endParaRPr lang="en-US" sz="1350" dirty="0">
               <a:latin typeface="Arial" panose="020B0604020202020204" pitchFamily="34" charset="0"/>
               <a:cs typeface="Arial" panose="020B0604020202020204" pitchFamily="34" charset="0"/>
             </a:endParaRPr>
@@ -7495,7 +7798,7 @@
               <a:buFont typeface="Wingdings" panose="05000000000000000000" pitchFamily="2" charset="2"/>
               <a:buChar char="v"/>
             </a:pPr>
-            <a:endParaRPr lang="en-US" sz="1500" dirty="0">
+            <a:endParaRPr lang="en-US" sz="1350" dirty="0" smtClean="0">
               <a:latin typeface="Arial" panose="020B0604020202020204" pitchFamily="34" charset="0"/>
               <a:cs typeface="Arial" panose="020B0604020202020204" pitchFamily="34" charset="0"/>
             </a:endParaRPr>
@@ -7505,7 +7808,49 @@
               <a:buFont typeface="Wingdings" panose="05000000000000000000" pitchFamily="2" charset="2"/>
               <a:buChar char="v"/>
             </a:pPr>
-            <a:endParaRPr lang="en-US" sz="1500" dirty="0" smtClean="0">
+            <a:r>
+              <a:rPr lang="en-US" sz="1350" dirty="0">
+                <a:latin typeface="Arial" panose="020B0604020202020204" pitchFamily="34" charset="0"/>
+                <a:cs typeface="Arial" panose="020B0604020202020204" pitchFamily="34" charset="0"/>
+              </a:rPr>
+              <a:t> </a:t>
+            </a:r>
+            <a:r>
+              <a:rPr lang="en-US" sz="1350" dirty="0" smtClean="0">
+                <a:latin typeface="Arial" panose="020B0604020202020204" pitchFamily="34" charset="0"/>
+                <a:cs typeface="Arial" panose="020B0604020202020204" pitchFamily="34" charset="0"/>
+              </a:rPr>
+              <a:t>Houses built on the year </a:t>
+            </a:r>
+            <a:r>
+              <a:rPr lang="en-US" sz="1350" b="1" dirty="0" smtClean="0">
+                <a:latin typeface="Arial" panose="020B0604020202020204" pitchFamily="34" charset="0"/>
+                <a:cs typeface="Arial" panose="020B0604020202020204" pitchFamily="34" charset="0"/>
+              </a:rPr>
+              <a:t>1991 and 2005 have got the highest and 2</a:t>
+            </a:r>
+            <a:r>
+              <a:rPr lang="en-US" sz="1350" b="1" baseline="30000" dirty="0" smtClean="0">
+                <a:latin typeface="Arial" panose="020B0604020202020204" pitchFamily="34" charset="0"/>
+                <a:cs typeface="Arial" panose="020B0604020202020204" pitchFamily="34" charset="0"/>
+              </a:rPr>
+              <a:t>nd</a:t>
+            </a:r>
+            <a:r>
+              <a:rPr lang="en-US" sz="1350" b="1" dirty="0" smtClean="0">
+                <a:latin typeface="Arial" panose="020B0604020202020204" pitchFamily="34" charset="0"/>
+                <a:cs typeface="Arial" panose="020B0604020202020204" pitchFamily="34" charset="0"/>
+              </a:rPr>
+              <a:t> highest overall quality feed back from the customers </a:t>
+            </a:r>
+            <a:r>
+              <a:rPr lang="en-US" sz="1350" dirty="0" smtClean="0">
+                <a:latin typeface="Arial" panose="020B0604020202020204" pitchFamily="34" charset="0"/>
+                <a:cs typeface="Arial" panose="020B0604020202020204" pitchFamily="34" charset="0"/>
+              </a:rPr>
+              <a:t>, the houses features, properties  can be replicated for subsequent years for construction</a:t>
+            </a:r>
+            <a:endParaRPr lang="en-US" sz="1350" dirty="0" smtClean="0">
               <a:latin typeface="Arial" panose="020B0604020202020204" pitchFamily="34" charset="0"/>
               <a:cs typeface="Arial" panose="020B0604020202020204" pitchFamily="34" charset="0"/>
             </a:endParaRPr>
@@ -7515,14 +7860,61 @@
               <a:buFont typeface="Wingdings" panose="05000000000000000000" pitchFamily="2" charset="2"/>
               <a:buChar char="v"/>
             </a:pPr>
-            <a:r>
-              <a:rPr lang="en-US" sz="1500" dirty="0">
-                <a:latin typeface="Arial" panose="020B0604020202020204" pitchFamily="34" charset="0"/>
-                <a:cs typeface="Arial" panose="020B0604020202020204" pitchFamily="34" charset="0"/>
-              </a:rPr>
-              <a:t> </a:t>
-            </a:r>
-            <a:endParaRPr lang="en-IN" sz="1500" dirty="0">
+            <a:endParaRPr lang="en-US" sz="1350" b="1" dirty="0">
+              <a:latin typeface="Arial" panose="020B0604020202020204" pitchFamily="34" charset="0"/>
+              <a:cs typeface="Arial" panose="020B0604020202020204" pitchFamily="34" charset="0"/>
+            </a:endParaRPr>
+          </a:p>
+          <a:p>
+            <a:pPr marL="285750" indent="-285750">
+              <a:buFont typeface="Wingdings" panose="05000000000000000000" pitchFamily="2" charset="2"/>
+              <a:buChar char="v"/>
+            </a:pPr>
+            <a:endParaRPr lang="en-US" sz="1350" b="1" dirty="0">
+              <a:latin typeface="Arial" panose="020B0604020202020204" pitchFamily="34" charset="0"/>
+              <a:cs typeface="Arial" panose="020B0604020202020204" pitchFamily="34" charset="0"/>
+            </a:endParaRPr>
+          </a:p>
+          <a:p>
+            <a:pPr marL="285750" indent="-285750">
+              <a:buFont typeface="Wingdings" panose="05000000000000000000" pitchFamily="2" charset="2"/>
+              <a:buChar char="v"/>
+            </a:pPr>
+            <a:r>
+              <a:rPr lang="en-US" sz="1350" b="1" dirty="0">
+                <a:latin typeface="Arial" panose="020B0604020202020204" pitchFamily="34" charset="0"/>
+                <a:cs typeface="Arial" panose="020B0604020202020204" pitchFamily="34" charset="0"/>
+              </a:rPr>
+              <a:t> Fair height of basement that is (70-79) inches </a:t>
+            </a:r>
+            <a:r>
+              <a:rPr lang="en-US" sz="1350" dirty="0">
+                <a:latin typeface="Arial" panose="020B0604020202020204" pitchFamily="34" charset="0"/>
+                <a:cs typeface="Arial" panose="020B0604020202020204" pitchFamily="34" charset="0"/>
+              </a:rPr>
+              <a:t>are the most </a:t>
+            </a:r>
+            <a:r>
+              <a:rPr lang="en-US" sz="1350" dirty="0" smtClean="0">
+                <a:latin typeface="Arial" panose="020B0604020202020204" pitchFamily="34" charset="0"/>
+                <a:cs typeface="Arial" panose="020B0604020202020204" pitchFamily="34" charset="0"/>
+              </a:rPr>
+              <a:t>preferred </a:t>
+            </a:r>
+            <a:r>
+              <a:rPr lang="en-US" sz="1350" dirty="0">
+                <a:latin typeface="Arial" panose="020B0604020202020204" pitchFamily="34" charset="0"/>
+                <a:cs typeface="Arial" panose="020B0604020202020204" pitchFamily="34" charset="0"/>
+              </a:rPr>
+              <a:t>among the customers</a:t>
+            </a:r>
+          </a:p>
+          <a:p>
+            <a:pPr marL="285750" indent="-285750">
+              <a:buFont typeface="Wingdings" panose="05000000000000000000" pitchFamily="2" charset="2"/>
+              <a:buChar char="v"/>
+            </a:pPr>
+            <a:endParaRPr lang="en-IN" sz="1350" dirty="0">
               <a:latin typeface="Arial" panose="020B0604020202020204" pitchFamily="34" charset="0"/>
               <a:cs typeface="Arial" panose="020B0604020202020204" pitchFamily="34" charset="0"/>
             </a:endParaRPr>
